--- a/MDVRP_short.pptx
+++ b/MDVRP_short.pptx
@@ -4840,7 +4840,6 @@
               <a:rPr lang="hr-HR" dirty="0" smtClean="0"/>
               <a:t>3-turnirski</a:t>
             </a:r>
-            <a:endParaRPr lang="hr-HR" dirty="0" smtClean="0"/>
           </a:p>
           <a:p>
             <a:r>
@@ -4994,11 +4993,7 @@
             </a:pPr>
             <a:r>
               <a:rPr lang="hr-HR" dirty="0" smtClean="0"/>
-              <a:t>	</a:t>
-            </a:r>
-            <a:r>
-              <a:rPr lang="hr-HR" dirty="0" smtClean="0"/>
-              <a:t>  Turnir = 3-TurnirskaSelekcija(Populacija)</a:t>
+              <a:t>	  Turnir = 3-TurnirskaSelekcija(Populacija)</a:t>
             </a:r>
           </a:p>
           <a:p>
@@ -5007,11 +5002,7 @@
             </a:pPr>
             <a:r>
               <a:rPr lang="hr-HR" dirty="0" smtClean="0"/>
-              <a:t>	</a:t>
-            </a:r>
-            <a:r>
-              <a:rPr lang="hr-HR" dirty="0" smtClean="0"/>
-              <a:t>  Nova_Jedinka = Križanje (Turnir[0], Turnir[1])</a:t>
+              <a:t>	  Nova_Jedinka = Križanje (Turnir[0], Turnir[1])</a:t>
             </a:r>
           </a:p>
           <a:p>
@@ -5020,11 +5011,7 @@
             </a:pPr>
             <a:r>
               <a:rPr lang="hr-HR" dirty="0" smtClean="0"/>
-              <a:t>	</a:t>
-            </a:r>
-            <a:r>
-              <a:rPr lang="hr-HR" dirty="0" smtClean="0"/>
-              <a:t>  Ako je P</a:t>
+              <a:t>	  Ako je P</a:t>
             </a:r>
             <a:r>
               <a:rPr lang="hr-HR" sz="2000" dirty="0" smtClean="0"/>
@@ -5049,11 +5036,7 @@
             </a:pPr>
             <a:r>
               <a:rPr lang="hr-HR" dirty="0" smtClean="0"/>
-              <a:t>	</a:t>
-            </a:r>
-            <a:r>
-              <a:rPr lang="hr-HR" dirty="0" smtClean="0"/>
-              <a:t>	  Intramutacija.Mutiraj(Nova_Jedinka)</a:t>
+              <a:t>		  Intramutacija.Mutiraj(Nova_Jedinka)</a:t>
             </a:r>
           </a:p>
           <a:p>
@@ -5062,15 +5045,7 @@
             </a:pPr>
             <a:r>
               <a:rPr lang="hr-HR" dirty="0" smtClean="0"/>
-              <a:t>	</a:t>
-            </a:r>
-            <a:r>
-              <a:rPr lang="hr-HR" dirty="0" smtClean="0"/>
-              <a:t>  Ako je </a:t>
-            </a:r>
-            <a:r>
-              <a:rPr lang="hr-HR" dirty="0" smtClean="0"/>
-              <a:t>P</a:t>
+              <a:t>	  Ako je P</a:t>
             </a:r>
             <a:r>
               <a:rPr lang="hr-HR" sz="2000" dirty="0" smtClean="0"/>
@@ -5078,11 +5053,7 @@
             </a:r>
             <a:r>
               <a:rPr lang="hr-HR" dirty="0" smtClean="0"/>
-              <a:t> &lt; </a:t>
-            </a:r>
-            <a:r>
-              <a:rPr lang="hr-HR" dirty="0" smtClean="0"/>
-              <a:t>P</a:t>
+              <a:t> &lt; P</a:t>
             </a:r>
             <a:r>
               <a:rPr lang="hr-HR" sz="2000" dirty="0" smtClean="0"/>
@@ -5099,11 +5070,7 @@
             </a:pPr>
             <a:r>
               <a:rPr lang="hr-HR" sz="2800" dirty="0" smtClean="0"/>
-              <a:t>	</a:t>
-            </a:r>
-            <a:r>
-              <a:rPr lang="hr-HR" sz="2800" dirty="0" smtClean="0"/>
-              <a:t>	  Intermutacija.Mutiraj(Nova_Jedinka)</a:t>
+              <a:t>		  Intermutacija.Mutiraj(Nova_Jedinka)</a:t>
             </a:r>
           </a:p>
           <a:p>
@@ -5112,11 +5079,7 @@
             </a:pPr>
             <a:r>
               <a:rPr lang="hr-HR" sz="2800" dirty="0" smtClean="0"/>
-              <a:t>	</a:t>
-            </a:r>
-            <a:r>
-              <a:rPr lang="hr-HR" sz="2800" dirty="0" smtClean="0"/>
-              <a:t>  Populacija.Zamijeni(Turnir[2], Nova_Jedinka)</a:t>
+              <a:t>	  Populacija.Zamijeni(Turnir[2], Nova_Jedinka)</a:t>
             </a:r>
           </a:p>
           <a:p>
@@ -5208,11 +5171,7 @@
           <a:p>
             <a:r>
               <a:rPr lang="hr-HR" dirty="0" smtClean="0"/>
-              <a:t>Naše najbolje rješenje</a:t>
-            </a:r>
-            <a:r>
-              <a:rPr lang="hr-HR" dirty="0" smtClean="0"/>
-              <a:t>, 283811</a:t>
+              <a:t>Naše najbolje rješenje, 283811</a:t>
             </a:r>
             <a:endParaRPr lang="hr-HR" dirty="0"/>
           </a:p>
@@ -5220,7 +5179,7 @@
       </p:sp>
       <p:pic>
         <p:nvPicPr>
-          <p:cNvPr id="6" name="Content Placeholder 5" descr="best.jpg"/>
+          <p:cNvPr id="5" name="Content Placeholder 4" descr="test.jpg"/>
           <p:cNvPicPr>
             <a:picLocks noGrp="1" noChangeAspect="1"/>
           </p:cNvPicPr>
@@ -5236,8 +5195,8 @@
         </p:blipFill>
         <p:spPr>
           <a:xfrm>
-            <a:off x="1625600" y="1219200"/>
-            <a:ext cx="7518400" cy="5638800"/>
+            <a:off x="1554691" y="1166018"/>
+            <a:ext cx="7589309" cy="5691982"/>
           </a:xfrm>
         </p:spPr>
       </p:pic>
